--- a/Java Урок 20 Колекції. Map. Пошук і сортування.pptx
+++ b/Java Урок 20 Колекції. Map. Пошук і сортування.pptx
@@ -10,8 +10,8 @@
   <p:sldIdLst>
     <p:sldId id="483" r:id="rId2"/>
     <p:sldId id="339" r:id="rId3"/>
-    <p:sldId id="340" r:id="rId4"/>
-    <p:sldId id="493" r:id="rId5"/>
+    <p:sldId id="493" r:id="rId4"/>
+    <p:sldId id="340" r:id="rId5"/>
     <p:sldId id="492" r:id="rId6"/>
     <p:sldId id="484" r:id="rId7"/>
     <p:sldId id="485" r:id="rId8"/>
@@ -215,7 +215,7 @@
           <a:p>
             <a:fld id="{8260D6B3-BC36-4AB9-83A6-3046B8D72481}" type="datetimeFigureOut">
               <a:rPr lang="uk-UA" smtClean="0"/>
-              <a:t>12.01.2024</a:t>
+              <a:t>28.02.2024</a:t>
             </a:fld>
             <a:endParaRPr lang="uk-UA"/>
           </a:p>
@@ -549,7 +549,7 @@
             <a:fld id="{B17F7970-59C6-41CF-871B-3BD368FB3BBF}" type="slidenum">
               <a:rPr lang="de-DE" altLang="ru-RU" smtClean="0"/>
               <a:pPr/>
-              <a:t>3</a:t>
+              <a:t>4</a:t>
             </a:fld>
             <a:endParaRPr lang="de-DE" altLang="ru-RU"/>
           </a:p>
@@ -717,7 +717,7 @@
           <a:p>
             <a:fld id="{2E4796F2-75D7-4E0D-90A2-29831CB62763}" type="datetimeFigureOut">
               <a:rPr lang="uk-UA" smtClean="0"/>
-              <a:t>12.01.2024</a:t>
+              <a:t>28.02.2024</a:t>
             </a:fld>
             <a:endParaRPr lang="uk-UA"/>
           </a:p>
@@ -917,7 +917,7 @@
           <a:p>
             <a:fld id="{2E4796F2-75D7-4E0D-90A2-29831CB62763}" type="datetimeFigureOut">
               <a:rPr lang="uk-UA" smtClean="0"/>
-              <a:t>12.01.2024</a:t>
+              <a:t>28.02.2024</a:t>
             </a:fld>
             <a:endParaRPr lang="uk-UA"/>
           </a:p>
@@ -1127,7 +1127,7 @@
           <a:p>
             <a:fld id="{2E4796F2-75D7-4E0D-90A2-29831CB62763}" type="datetimeFigureOut">
               <a:rPr lang="uk-UA" smtClean="0"/>
-              <a:t>12.01.2024</a:t>
+              <a:t>28.02.2024</a:t>
             </a:fld>
             <a:endParaRPr lang="uk-UA"/>
           </a:p>
@@ -1327,7 +1327,7 @@
           <a:p>
             <a:fld id="{2E4796F2-75D7-4E0D-90A2-29831CB62763}" type="datetimeFigureOut">
               <a:rPr lang="uk-UA" smtClean="0"/>
-              <a:t>12.01.2024</a:t>
+              <a:t>28.02.2024</a:t>
             </a:fld>
             <a:endParaRPr lang="uk-UA"/>
           </a:p>
@@ -1603,7 +1603,7 @@
           <a:p>
             <a:fld id="{2E4796F2-75D7-4E0D-90A2-29831CB62763}" type="datetimeFigureOut">
               <a:rPr lang="uk-UA" smtClean="0"/>
-              <a:t>12.01.2024</a:t>
+              <a:t>28.02.2024</a:t>
             </a:fld>
             <a:endParaRPr lang="uk-UA"/>
           </a:p>
@@ -1871,7 +1871,7 @@
           <a:p>
             <a:fld id="{2E4796F2-75D7-4E0D-90A2-29831CB62763}" type="datetimeFigureOut">
               <a:rPr lang="uk-UA" smtClean="0"/>
-              <a:t>12.01.2024</a:t>
+              <a:t>28.02.2024</a:t>
             </a:fld>
             <a:endParaRPr lang="uk-UA"/>
           </a:p>
@@ -2286,7 +2286,7 @@
           <a:p>
             <a:fld id="{2E4796F2-75D7-4E0D-90A2-29831CB62763}" type="datetimeFigureOut">
               <a:rPr lang="uk-UA" smtClean="0"/>
-              <a:t>12.01.2024</a:t>
+              <a:t>28.02.2024</a:t>
             </a:fld>
             <a:endParaRPr lang="uk-UA"/>
           </a:p>
@@ -2428,7 +2428,7 @@
           <a:p>
             <a:fld id="{2E4796F2-75D7-4E0D-90A2-29831CB62763}" type="datetimeFigureOut">
               <a:rPr lang="uk-UA" smtClean="0"/>
-              <a:t>12.01.2024</a:t>
+              <a:t>28.02.2024</a:t>
             </a:fld>
             <a:endParaRPr lang="uk-UA"/>
           </a:p>
@@ -2541,7 +2541,7 @@
           <a:p>
             <a:fld id="{2E4796F2-75D7-4E0D-90A2-29831CB62763}" type="datetimeFigureOut">
               <a:rPr lang="uk-UA" smtClean="0"/>
-              <a:t>12.01.2024</a:t>
+              <a:t>28.02.2024</a:t>
             </a:fld>
             <a:endParaRPr lang="uk-UA"/>
           </a:p>
@@ -2854,7 +2854,7 @@
           <a:p>
             <a:fld id="{2E4796F2-75D7-4E0D-90A2-29831CB62763}" type="datetimeFigureOut">
               <a:rPr lang="uk-UA" smtClean="0"/>
-              <a:t>12.01.2024</a:t>
+              <a:t>28.02.2024</a:t>
             </a:fld>
             <a:endParaRPr lang="uk-UA"/>
           </a:p>
@@ -3143,7 +3143,7 @@
           <a:p>
             <a:fld id="{2E4796F2-75D7-4E0D-90A2-29831CB62763}" type="datetimeFigureOut">
               <a:rPr lang="uk-UA" smtClean="0"/>
-              <a:t>12.01.2024</a:t>
+              <a:t>28.02.2024</a:t>
             </a:fld>
             <a:endParaRPr lang="uk-UA"/>
           </a:p>
@@ -3386,7 +3386,7 @@
           <a:p>
             <a:fld id="{2E4796F2-75D7-4E0D-90A2-29831CB62763}" type="datetimeFigureOut">
               <a:rPr lang="uk-UA" smtClean="0"/>
-              <a:t>12.01.2024</a:t>
+              <a:t>28.02.2024</a:t>
             </a:fld>
             <a:endParaRPr lang="uk-UA"/>
           </a:p>
@@ -8193,7 +8193,7 @@
           <a:graphicData uri="http://schemas.openxmlformats.org/presentationml/2006/ole">
             <mc:AlternateContent xmlns:mc="http://schemas.openxmlformats.org/markup-compatibility/2006">
               <mc:Choice xmlns:v="urn:schemas-microsoft-com:vml" Requires="v">
-                <p:oleObj spid="_x0000_s1076" name="Visio" r:id="rId3" imgW="5210355" imgH="2514653" progId="Visio.Drawing.11">
+                <p:oleObj spid="_x0000_s1080" name="Visio" r:id="rId3" imgW="5210355" imgH="2514653" progId="Visio.Drawing.11">
                   <p:embed/>
                 </p:oleObj>
               </mc:Choice>
@@ -8457,7 +8457,7 @@
           <a:graphicData uri="http://schemas.openxmlformats.org/presentationml/2006/ole">
             <mc:AlternateContent xmlns:mc="http://schemas.openxmlformats.org/markup-compatibility/2006">
               <mc:Choice xmlns:v="urn:schemas-microsoft-com:vml" Requires="v">
-                <p:oleObj spid="_x0000_s1077" name="Visio" r:id="rId5" imgW="1057314" imgH="1361980" progId="Visio.Drawing.11">
+                <p:oleObj spid="_x0000_s1081" name="Visio" r:id="rId5" imgW="1057314" imgH="1361980" progId="Visio.Drawing.11">
                   <p:embed/>
                 </p:oleObj>
               </mc:Choice>
@@ -8923,6 +8923,201 @@
           <a:chExt cx="0" cy="0"/>
         </a:xfrm>
       </p:grpSpPr>
+      <p:pic>
+        <p:nvPicPr>
+          <p:cNvPr id="6" name="Рисунок 5">
+            <a:extLst>
+              <a:ext uri="{FF2B5EF4-FFF2-40B4-BE49-F238E27FC236}">
+                <a16:creationId xmlns:a16="http://schemas.microsoft.com/office/drawing/2014/main" id="{8F0E42C9-3907-4BB6-B6CE-E8BA79CC8D81}"/>
+              </a:ext>
+            </a:extLst>
+          </p:cNvPr>
+          <p:cNvPicPr>
+            <a:picLocks noChangeAspect="1"/>
+          </p:cNvPicPr>
+          <p:nvPr/>
+        </p:nvPicPr>
+        <p:blipFill>
+          <a:blip r:embed="rId2"/>
+          <a:stretch>
+            <a:fillRect/>
+          </a:stretch>
+        </p:blipFill>
+        <p:spPr>
+          <a:xfrm>
+            <a:off x="1071562" y="1227252"/>
+            <a:ext cx="10048875" cy="4686300"/>
+          </a:xfrm>
+          <a:prstGeom prst="rect">
+            <a:avLst/>
+          </a:prstGeom>
+        </p:spPr>
+      </p:pic>
+      <p:sp>
+        <p:nvSpPr>
+          <p:cNvPr id="7" name="Заголовок 1">
+            <a:extLst>
+              <a:ext uri="{FF2B5EF4-FFF2-40B4-BE49-F238E27FC236}">
+                <a16:creationId xmlns:a16="http://schemas.microsoft.com/office/drawing/2014/main" id="{F57D870F-AF6A-41A4-8371-4D5D7403C827}"/>
+              </a:ext>
+            </a:extLst>
+          </p:cNvPr>
+          <p:cNvSpPr>
+            <a:spLocks noGrp="1"/>
+          </p:cNvSpPr>
+          <p:nvPr>
+            <p:ph type="title"/>
+          </p:nvPr>
+        </p:nvSpPr>
+        <p:spPr>
+          <a:xfrm>
+            <a:off x="0" y="1"/>
+            <a:ext cx="12192000" cy="681036"/>
+          </a:xfrm>
+        </p:spPr>
+        <p:txBody>
+          <a:bodyPr>
+            <a:normAutofit fontScale="90000"/>
+          </a:bodyPr>
+          <a:lstStyle/>
+          <a:p>
+            <a:pPr algn="ctr"/>
+            <a:r>
+              <a:rPr lang="ru-RU" i="0" dirty="0" err="1">
+                <a:solidFill>
+                  <a:srgbClr val="151F33"/>
+                </a:solidFill>
+                <a:effectLst/>
+                <a:latin typeface="Times New Roman" panose="02020603050405020304" pitchFamily="18" charset="0"/>
+                <a:cs typeface="Times New Roman" panose="02020603050405020304" pitchFamily="18" charset="0"/>
+              </a:rPr>
+              <a:t>Відмінність</a:t>
+            </a:r>
+            <a:r>
+              <a:rPr lang="ru-RU" i="0" dirty="0">
+                <a:solidFill>
+                  <a:srgbClr val="151F33"/>
+                </a:solidFill>
+                <a:effectLst/>
+                <a:latin typeface="Times New Roman" panose="02020603050405020304" pitchFamily="18" charset="0"/>
+                <a:cs typeface="Times New Roman" panose="02020603050405020304" pitchFamily="18" charset="0"/>
+              </a:rPr>
+              <a:t> </a:t>
+            </a:r>
+            <a:r>
+              <a:rPr lang="ru-RU" i="0" dirty="0" err="1">
+                <a:solidFill>
+                  <a:srgbClr val="151F33"/>
+                </a:solidFill>
+                <a:effectLst/>
+                <a:latin typeface="Times New Roman" panose="02020603050405020304" pitchFamily="18" charset="0"/>
+                <a:cs typeface="Times New Roman" panose="02020603050405020304" pitchFamily="18" charset="0"/>
+              </a:rPr>
+              <a:t>Map</a:t>
+            </a:r>
+            <a:r>
+              <a:rPr lang="ru-RU" i="0" dirty="0">
+                <a:solidFill>
+                  <a:srgbClr val="151F33"/>
+                </a:solidFill>
+                <a:effectLst/>
+                <a:latin typeface="Times New Roman" panose="02020603050405020304" pitchFamily="18" charset="0"/>
+                <a:cs typeface="Times New Roman" panose="02020603050405020304" pitchFamily="18" charset="0"/>
+              </a:rPr>
+              <a:t> </a:t>
+            </a:r>
+            <a:r>
+              <a:rPr lang="ru-RU" i="0" dirty="0" err="1">
+                <a:solidFill>
+                  <a:srgbClr val="151F33"/>
+                </a:solidFill>
+                <a:effectLst/>
+                <a:latin typeface="Times New Roman" panose="02020603050405020304" pitchFamily="18" charset="0"/>
+                <a:cs typeface="Times New Roman" panose="02020603050405020304" pitchFamily="18" charset="0"/>
+              </a:rPr>
+              <a:t>від</a:t>
+            </a:r>
+            <a:r>
+              <a:rPr lang="ru-RU" i="0" dirty="0">
+                <a:solidFill>
+                  <a:srgbClr val="151F33"/>
+                </a:solidFill>
+                <a:effectLst/>
+                <a:latin typeface="Times New Roman" panose="02020603050405020304" pitchFamily="18" charset="0"/>
+                <a:cs typeface="Times New Roman" panose="02020603050405020304" pitchFamily="18" charset="0"/>
+              </a:rPr>
+              <a:t> </a:t>
+            </a:r>
+            <a:r>
+              <a:rPr lang="ru-RU" i="0" dirty="0" err="1">
+                <a:solidFill>
+                  <a:srgbClr val="151F33"/>
+                </a:solidFill>
+                <a:effectLst/>
+                <a:latin typeface="Times New Roman" panose="02020603050405020304" pitchFamily="18" charset="0"/>
+                <a:cs typeface="Times New Roman" panose="02020603050405020304" pitchFamily="18" charset="0"/>
+              </a:rPr>
+              <a:t>інших</a:t>
+            </a:r>
+            <a:r>
+              <a:rPr lang="ru-RU" i="0" dirty="0">
+                <a:solidFill>
+                  <a:srgbClr val="151F33"/>
+                </a:solidFill>
+                <a:effectLst/>
+                <a:latin typeface="Times New Roman" panose="02020603050405020304" pitchFamily="18" charset="0"/>
+                <a:cs typeface="Times New Roman" panose="02020603050405020304" pitchFamily="18" charset="0"/>
+              </a:rPr>
+              <a:t> структур </a:t>
+            </a:r>
+            <a:r>
+              <a:rPr lang="ru-RU" i="0" dirty="0" err="1">
+                <a:solidFill>
+                  <a:srgbClr val="151F33"/>
+                </a:solidFill>
+                <a:effectLst/>
+                <a:latin typeface="Times New Roman" panose="02020603050405020304" pitchFamily="18" charset="0"/>
+                <a:cs typeface="Times New Roman" panose="02020603050405020304" pitchFamily="18" charset="0"/>
+              </a:rPr>
+              <a:t>даних</a:t>
+            </a:r>
+            <a:endParaRPr lang="uk-UA" dirty="0">
+              <a:latin typeface="Times New Roman" panose="02020603050405020304" pitchFamily="18" charset="0"/>
+              <a:cs typeface="Times New Roman" panose="02020603050405020304" pitchFamily="18" charset="0"/>
+            </a:endParaRPr>
+          </a:p>
+        </p:txBody>
+      </p:sp>
+    </p:spTree>
+    <p:extLst>
+      <p:ext uri="{BB962C8B-B14F-4D97-AF65-F5344CB8AC3E}">
+        <p14:creationId xmlns:p14="http://schemas.microsoft.com/office/powerpoint/2010/main" val="1907916347"/>
+      </p:ext>
+    </p:extLst>
+  </p:cSld>
+  <p:clrMapOvr>
+    <a:masterClrMapping/>
+  </p:clrMapOvr>
+</p:sld>
+</file>
+
+<file path=ppt/slides/slide4.xml><?xml version="1.0" encoding="utf-8"?>
+<p:sld xmlns:a="http://schemas.openxmlformats.org/drawingml/2006/main" xmlns:r="http://schemas.openxmlformats.org/officeDocument/2006/relationships" xmlns:p="http://schemas.openxmlformats.org/presentationml/2006/main">
+  <p:cSld>
+    <p:spTree>
+      <p:nvGrpSpPr>
+        <p:cNvPr id="1" name=""/>
+        <p:cNvGrpSpPr/>
+        <p:nvPr/>
+      </p:nvGrpSpPr>
+      <p:grpSpPr>
+        <a:xfrm>
+          <a:off x="0" y="0"/>
+          <a:ext cx="0" cy="0"/>
+          <a:chOff x="0" y="0"/>
+          <a:chExt cx="0" cy="0"/>
+        </a:xfrm>
+      </p:grpSpPr>
       <p:sp>
         <p:nvSpPr>
           <p:cNvPr id="6" name="Объект 5"/>
@@ -10005,201 +10200,6 @@
     <p:extLst>
       <p:ext uri="{BB962C8B-B14F-4D97-AF65-F5344CB8AC3E}">
         <p14:creationId xmlns:p14="http://schemas.microsoft.com/office/powerpoint/2010/main" val="4031313565"/>
-      </p:ext>
-    </p:extLst>
-  </p:cSld>
-  <p:clrMapOvr>
-    <a:masterClrMapping/>
-  </p:clrMapOvr>
-</p:sld>
-</file>
-
-<file path=ppt/slides/slide4.xml><?xml version="1.0" encoding="utf-8"?>
-<p:sld xmlns:a="http://schemas.openxmlformats.org/drawingml/2006/main" xmlns:r="http://schemas.openxmlformats.org/officeDocument/2006/relationships" xmlns:p="http://schemas.openxmlformats.org/presentationml/2006/main">
-  <p:cSld>
-    <p:spTree>
-      <p:nvGrpSpPr>
-        <p:cNvPr id="1" name=""/>
-        <p:cNvGrpSpPr/>
-        <p:nvPr/>
-      </p:nvGrpSpPr>
-      <p:grpSpPr>
-        <a:xfrm>
-          <a:off x="0" y="0"/>
-          <a:ext cx="0" cy="0"/>
-          <a:chOff x="0" y="0"/>
-          <a:chExt cx="0" cy="0"/>
-        </a:xfrm>
-      </p:grpSpPr>
-      <p:pic>
-        <p:nvPicPr>
-          <p:cNvPr id="6" name="Рисунок 5">
-            <a:extLst>
-              <a:ext uri="{FF2B5EF4-FFF2-40B4-BE49-F238E27FC236}">
-                <a16:creationId xmlns:a16="http://schemas.microsoft.com/office/drawing/2014/main" id="{8F0E42C9-3907-4BB6-B6CE-E8BA79CC8D81}"/>
-              </a:ext>
-            </a:extLst>
-          </p:cNvPr>
-          <p:cNvPicPr>
-            <a:picLocks noChangeAspect="1"/>
-          </p:cNvPicPr>
-          <p:nvPr/>
-        </p:nvPicPr>
-        <p:blipFill>
-          <a:blip r:embed="rId2"/>
-          <a:stretch>
-            <a:fillRect/>
-          </a:stretch>
-        </p:blipFill>
-        <p:spPr>
-          <a:xfrm>
-            <a:off x="1071562" y="1227252"/>
-            <a:ext cx="10048875" cy="4686300"/>
-          </a:xfrm>
-          <a:prstGeom prst="rect">
-            <a:avLst/>
-          </a:prstGeom>
-        </p:spPr>
-      </p:pic>
-      <p:sp>
-        <p:nvSpPr>
-          <p:cNvPr id="7" name="Заголовок 1">
-            <a:extLst>
-              <a:ext uri="{FF2B5EF4-FFF2-40B4-BE49-F238E27FC236}">
-                <a16:creationId xmlns:a16="http://schemas.microsoft.com/office/drawing/2014/main" id="{F57D870F-AF6A-41A4-8371-4D5D7403C827}"/>
-              </a:ext>
-            </a:extLst>
-          </p:cNvPr>
-          <p:cNvSpPr>
-            <a:spLocks noGrp="1"/>
-          </p:cNvSpPr>
-          <p:nvPr>
-            <p:ph type="title"/>
-          </p:nvPr>
-        </p:nvSpPr>
-        <p:spPr>
-          <a:xfrm>
-            <a:off x="0" y="1"/>
-            <a:ext cx="12192000" cy="681036"/>
-          </a:xfrm>
-        </p:spPr>
-        <p:txBody>
-          <a:bodyPr>
-            <a:normAutofit fontScale="90000"/>
-          </a:bodyPr>
-          <a:lstStyle/>
-          <a:p>
-            <a:pPr algn="ctr"/>
-            <a:r>
-              <a:rPr lang="ru-RU" i="0" dirty="0" err="1">
-                <a:solidFill>
-                  <a:srgbClr val="151F33"/>
-                </a:solidFill>
-                <a:effectLst/>
-                <a:latin typeface="Times New Roman" panose="02020603050405020304" pitchFamily="18" charset="0"/>
-                <a:cs typeface="Times New Roman" panose="02020603050405020304" pitchFamily="18" charset="0"/>
-              </a:rPr>
-              <a:t>Відмінність</a:t>
-            </a:r>
-            <a:r>
-              <a:rPr lang="ru-RU" i="0" dirty="0">
-                <a:solidFill>
-                  <a:srgbClr val="151F33"/>
-                </a:solidFill>
-                <a:effectLst/>
-                <a:latin typeface="Times New Roman" panose="02020603050405020304" pitchFamily="18" charset="0"/>
-                <a:cs typeface="Times New Roman" panose="02020603050405020304" pitchFamily="18" charset="0"/>
-              </a:rPr>
-              <a:t> </a:t>
-            </a:r>
-            <a:r>
-              <a:rPr lang="ru-RU" i="0" dirty="0" err="1">
-                <a:solidFill>
-                  <a:srgbClr val="151F33"/>
-                </a:solidFill>
-                <a:effectLst/>
-                <a:latin typeface="Times New Roman" panose="02020603050405020304" pitchFamily="18" charset="0"/>
-                <a:cs typeface="Times New Roman" panose="02020603050405020304" pitchFamily="18" charset="0"/>
-              </a:rPr>
-              <a:t>Map</a:t>
-            </a:r>
-            <a:r>
-              <a:rPr lang="ru-RU" i="0" dirty="0">
-                <a:solidFill>
-                  <a:srgbClr val="151F33"/>
-                </a:solidFill>
-                <a:effectLst/>
-                <a:latin typeface="Times New Roman" panose="02020603050405020304" pitchFamily="18" charset="0"/>
-                <a:cs typeface="Times New Roman" panose="02020603050405020304" pitchFamily="18" charset="0"/>
-              </a:rPr>
-              <a:t> </a:t>
-            </a:r>
-            <a:r>
-              <a:rPr lang="ru-RU" i="0" dirty="0" err="1">
-                <a:solidFill>
-                  <a:srgbClr val="151F33"/>
-                </a:solidFill>
-                <a:effectLst/>
-                <a:latin typeface="Times New Roman" panose="02020603050405020304" pitchFamily="18" charset="0"/>
-                <a:cs typeface="Times New Roman" panose="02020603050405020304" pitchFamily="18" charset="0"/>
-              </a:rPr>
-              <a:t>від</a:t>
-            </a:r>
-            <a:r>
-              <a:rPr lang="ru-RU" i="0" dirty="0">
-                <a:solidFill>
-                  <a:srgbClr val="151F33"/>
-                </a:solidFill>
-                <a:effectLst/>
-                <a:latin typeface="Times New Roman" panose="02020603050405020304" pitchFamily="18" charset="0"/>
-                <a:cs typeface="Times New Roman" panose="02020603050405020304" pitchFamily="18" charset="0"/>
-              </a:rPr>
-              <a:t> </a:t>
-            </a:r>
-            <a:r>
-              <a:rPr lang="ru-RU" i="0" dirty="0" err="1">
-                <a:solidFill>
-                  <a:srgbClr val="151F33"/>
-                </a:solidFill>
-                <a:effectLst/>
-                <a:latin typeface="Times New Roman" panose="02020603050405020304" pitchFamily="18" charset="0"/>
-                <a:cs typeface="Times New Roman" panose="02020603050405020304" pitchFamily="18" charset="0"/>
-              </a:rPr>
-              <a:t>інших</a:t>
-            </a:r>
-            <a:r>
-              <a:rPr lang="ru-RU" i="0" dirty="0">
-                <a:solidFill>
-                  <a:srgbClr val="151F33"/>
-                </a:solidFill>
-                <a:effectLst/>
-                <a:latin typeface="Times New Roman" panose="02020603050405020304" pitchFamily="18" charset="0"/>
-                <a:cs typeface="Times New Roman" panose="02020603050405020304" pitchFamily="18" charset="0"/>
-              </a:rPr>
-              <a:t> структур </a:t>
-            </a:r>
-            <a:r>
-              <a:rPr lang="ru-RU" i="0" dirty="0" err="1">
-                <a:solidFill>
-                  <a:srgbClr val="151F33"/>
-                </a:solidFill>
-                <a:effectLst/>
-                <a:latin typeface="Times New Roman" panose="02020603050405020304" pitchFamily="18" charset="0"/>
-                <a:cs typeface="Times New Roman" panose="02020603050405020304" pitchFamily="18" charset="0"/>
-              </a:rPr>
-              <a:t>даних</a:t>
-            </a:r>
-            <a:endParaRPr lang="uk-UA" dirty="0">
-              <a:latin typeface="Times New Roman" panose="02020603050405020304" pitchFamily="18" charset="0"/>
-              <a:cs typeface="Times New Roman" panose="02020603050405020304" pitchFamily="18" charset="0"/>
-            </a:endParaRPr>
-          </a:p>
-        </p:txBody>
-      </p:sp>
-    </p:spTree>
-    <p:extLst>
-      <p:ext uri="{BB962C8B-B14F-4D97-AF65-F5344CB8AC3E}">
-        <p14:creationId xmlns:p14="http://schemas.microsoft.com/office/powerpoint/2010/main" val="1907916347"/>
       </p:ext>
     </p:extLst>
   </p:cSld>
